--- a/Offline/AnodiamMarketing.pptx
+++ b/Offline/AnodiamMarketing.pptx
@@ -247,7 +247,7 @@
           <a:p>
             <a:fld id="{CA6D4F87-9B9E-4A4F-B3AC-3968D7D2EB59}" type="datetimeFigureOut">
               <a:rPr lang="en-AU" smtClean="0"/>
-              <a:t>21/03/2023</a:t>
+              <a:t>22/03/2023</a:t>
             </a:fld>
             <a:endParaRPr lang="en-AU"/>
           </a:p>
@@ -417,7 +417,7 @@
           <a:p>
             <a:fld id="{CA6D4F87-9B9E-4A4F-B3AC-3968D7D2EB59}" type="datetimeFigureOut">
               <a:rPr lang="en-AU" smtClean="0"/>
-              <a:t>21/03/2023</a:t>
+              <a:t>22/03/2023</a:t>
             </a:fld>
             <a:endParaRPr lang="en-AU"/>
           </a:p>
@@ -597,7 +597,7 @@
           <a:p>
             <a:fld id="{CA6D4F87-9B9E-4A4F-B3AC-3968D7D2EB59}" type="datetimeFigureOut">
               <a:rPr lang="en-AU" smtClean="0"/>
-              <a:t>21/03/2023</a:t>
+              <a:t>22/03/2023</a:t>
             </a:fld>
             <a:endParaRPr lang="en-AU"/>
           </a:p>
@@ -767,7 +767,7 @@
           <a:p>
             <a:fld id="{CA6D4F87-9B9E-4A4F-B3AC-3968D7D2EB59}" type="datetimeFigureOut">
               <a:rPr lang="en-AU" smtClean="0"/>
-              <a:t>21/03/2023</a:t>
+              <a:t>22/03/2023</a:t>
             </a:fld>
             <a:endParaRPr lang="en-AU"/>
           </a:p>
@@ -1013,7 +1013,7 @@
           <a:p>
             <a:fld id="{CA6D4F87-9B9E-4A4F-B3AC-3968D7D2EB59}" type="datetimeFigureOut">
               <a:rPr lang="en-AU" smtClean="0"/>
-              <a:t>21/03/2023</a:t>
+              <a:t>22/03/2023</a:t>
             </a:fld>
             <a:endParaRPr lang="en-AU"/>
           </a:p>
@@ -1245,7 +1245,7 @@
           <a:p>
             <a:fld id="{CA6D4F87-9B9E-4A4F-B3AC-3968D7D2EB59}" type="datetimeFigureOut">
               <a:rPr lang="en-AU" smtClean="0"/>
-              <a:t>21/03/2023</a:t>
+              <a:t>22/03/2023</a:t>
             </a:fld>
             <a:endParaRPr lang="en-AU"/>
           </a:p>
@@ -1612,7 +1612,7 @@
           <a:p>
             <a:fld id="{CA6D4F87-9B9E-4A4F-B3AC-3968D7D2EB59}" type="datetimeFigureOut">
               <a:rPr lang="en-AU" smtClean="0"/>
-              <a:t>21/03/2023</a:t>
+              <a:t>22/03/2023</a:t>
             </a:fld>
             <a:endParaRPr lang="en-AU"/>
           </a:p>
@@ -1730,7 +1730,7 @@
           <a:p>
             <a:fld id="{CA6D4F87-9B9E-4A4F-B3AC-3968D7D2EB59}" type="datetimeFigureOut">
               <a:rPr lang="en-AU" smtClean="0"/>
-              <a:t>21/03/2023</a:t>
+              <a:t>22/03/2023</a:t>
             </a:fld>
             <a:endParaRPr lang="en-AU"/>
           </a:p>
@@ -1825,7 +1825,7 @@
           <a:p>
             <a:fld id="{CA6D4F87-9B9E-4A4F-B3AC-3968D7D2EB59}" type="datetimeFigureOut">
               <a:rPr lang="en-AU" smtClean="0"/>
-              <a:t>21/03/2023</a:t>
+              <a:t>22/03/2023</a:t>
             </a:fld>
             <a:endParaRPr lang="en-AU"/>
           </a:p>
@@ -2102,7 +2102,7 @@
           <a:p>
             <a:fld id="{CA6D4F87-9B9E-4A4F-B3AC-3968D7D2EB59}" type="datetimeFigureOut">
               <a:rPr lang="en-AU" smtClean="0"/>
-              <a:t>21/03/2023</a:t>
+              <a:t>22/03/2023</a:t>
             </a:fld>
             <a:endParaRPr lang="en-AU"/>
           </a:p>
@@ -2355,7 +2355,7 @@
           <a:p>
             <a:fld id="{CA6D4F87-9B9E-4A4F-B3AC-3968D7D2EB59}" type="datetimeFigureOut">
               <a:rPr lang="en-AU" smtClean="0"/>
-              <a:t>21/03/2023</a:t>
+              <a:t>22/03/2023</a:t>
             </a:fld>
             <a:endParaRPr lang="en-AU"/>
           </a:p>
@@ -2568,7 +2568,7 @@
           <a:p>
             <a:fld id="{CA6D4F87-9B9E-4A4F-B3AC-3968D7D2EB59}" type="datetimeFigureOut">
               <a:rPr lang="en-AU" smtClean="0"/>
-              <a:t>21/03/2023</a:t>
+              <a:t>22/03/2023</a:t>
             </a:fld>
             <a:endParaRPr lang="en-AU"/>
           </a:p>
@@ -3196,13 +3196,7 @@
               <a:rPr lang="en-AU" sz="2800" b="1" u="sng" dirty="0" smtClean="0">
                 <a:latin typeface="Oxygen" panose="02000503000000000000" pitchFamily="2" charset="0"/>
               </a:rPr>
-              <a:t>Visiting Card </a:t>
-            </a:r>
-            <a:r>
-              <a:rPr lang="en-AU" sz="2800" b="1" u="sng" dirty="0" smtClean="0">
-                <a:latin typeface="Oxygen" panose="02000503000000000000" pitchFamily="2" charset="0"/>
-              </a:rPr>
-              <a:t>– Manager In Charge</a:t>
+              <a:t>Visiting Card – Manager In Charge</a:t>
             </a:r>
             <a:endParaRPr lang="en-AU" sz="2800" b="1" u="sng" dirty="0">
               <a:latin typeface="Oxygen" panose="02000503000000000000" pitchFamily="2" charset="0"/>
@@ -3771,9 +3765,6 @@
               </a:rPr>
               <a:t>Manager - In Charge</a:t>
             </a:r>
-            <a:endParaRPr lang="en-AU" sz="1400" dirty="0" smtClean="0">
-              <a:latin typeface="Oxygen" panose="02000503000000000000" pitchFamily="2" charset="0"/>
-            </a:endParaRPr>
           </a:p>
           <a:p>
             <a:pPr>
@@ -3785,19 +3776,19 @@
               </a:spcAft>
             </a:pPr>
             <a:r>
-              <a:rPr lang="en-AU" sz="1400" b="1" dirty="0" smtClean="0">
+              <a:rPr lang="en-AU" sz="1400" b="1" smtClean="0">
                 <a:latin typeface="Oxygen" panose="02000503000000000000" pitchFamily="2" charset="0"/>
               </a:rPr>
               <a:t>✉ </a:t>
             </a:r>
             <a:r>
-              <a:rPr lang="en-AU" sz="1400" u="sng" dirty="0" smtClean="0">
+              <a:rPr lang="en-AU" sz="1400" u="sng" smtClean="0">
                 <a:solidFill>
                   <a:srgbClr val="002060"/>
                 </a:solidFill>
                 <a:latin typeface="Oxygen" panose="02000503000000000000" pitchFamily="2" charset="0"/>
               </a:rPr>
-              <a:t>s.ghosh@anodiam.com</a:t>
+              <a:t>sghosh@anodiam.com</a:t>
             </a:r>
             <a:endParaRPr lang="en-AU" sz="1400" u="sng" dirty="0">
               <a:solidFill>
@@ -3819,30 +3810,15 @@
               <a:rPr lang="en-AU" sz="1400" dirty="0" smtClean="0">
                 <a:latin typeface="Oxygen" panose="02000503000000000000" pitchFamily="2" charset="0"/>
               </a:rPr>
-              <a:t>☎ +91 </a:t>
-            </a:r>
+              <a:t>☎ +91 91636 85448</a:t>
+            </a:r>
+          </a:p>
+          <a:p>
             <a:r>
               <a:rPr lang="en-AU" sz="1400" dirty="0" smtClean="0">
                 <a:latin typeface="Oxygen" panose="02000503000000000000" pitchFamily="2" charset="0"/>
               </a:rPr>
-              <a:t>91636 85448</a:t>
-            </a:r>
-            <a:endParaRPr lang="en-AU" sz="1400" dirty="0" smtClean="0">
-              <a:latin typeface="Oxygen" panose="02000503000000000000" pitchFamily="2" charset="0"/>
-            </a:endParaRPr>
-          </a:p>
-          <a:p>
-            <a:r>
-              <a:rPr lang="en-AU" sz="1400" dirty="0" smtClean="0">
-                <a:latin typeface="Oxygen" panose="02000503000000000000" pitchFamily="2" charset="0"/>
-              </a:rPr>
-              <a:t>🏠  </a:t>
-            </a:r>
-            <a:r>
-              <a:rPr lang="en-AU" sz="1400" dirty="0" smtClean="0">
-                <a:latin typeface="Oxygen" panose="02000503000000000000" pitchFamily="2" charset="0"/>
-              </a:rPr>
-              <a:t>N – 25 Patuli</a:t>
+              <a:t>🏠  N – 25 Patuli</a:t>
             </a:r>
           </a:p>
           <a:p>
@@ -3863,9 +3839,6 @@
               </a:rPr>
               <a:t>       Kolkata 700094</a:t>
             </a:r>
-            <a:endParaRPr lang="en-AU" sz="1400" dirty="0" smtClean="0">
-              <a:latin typeface="Oxygen" panose="02000503000000000000" pitchFamily="2" charset="0"/>
-            </a:endParaRPr>
           </a:p>
         </p:txBody>
       </p:sp>
@@ -4290,13 +4263,7 @@
               <a:rPr lang="en-AU" sz="2800" b="1" u="sng" dirty="0" smtClean="0">
                 <a:latin typeface="Oxygen" panose="02000503000000000000" pitchFamily="2" charset="0"/>
               </a:rPr>
-              <a:t>Visiting Card </a:t>
-            </a:r>
-            <a:r>
-              <a:rPr lang="en-AU" sz="2800" b="1" u="sng" dirty="0" smtClean="0">
-                <a:latin typeface="Oxygen" panose="02000503000000000000" pitchFamily="2" charset="0"/>
-              </a:rPr>
-              <a:t>– Principal</a:t>
+              <a:t>Visiting Card – Principal</a:t>
             </a:r>
             <a:endParaRPr lang="en-AU" sz="2800" b="1" u="sng" dirty="0">
               <a:latin typeface="Oxygen" panose="02000503000000000000" pitchFamily="2" charset="0"/>
@@ -5108,17 +5075,14 @@
                 </a:solidFill>
                 <a:latin typeface="Oxygen" panose="02000503000000000000" pitchFamily="2" charset="0"/>
               </a:rPr>
-              <a:t>90072 </a:t>
-            </a:r>
-            <a:r>
-              <a:rPr lang="en-AU" sz="1400" dirty="0">
-                <a:solidFill>
-                  <a:prstClr val="black"/>
-                </a:solidFill>
-                <a:latin typeface="Oxygen" panose="02000503000000000000" pitchFamily="2" charset="0"/>
-              </a:rPr>
-              <a:t>29222</a:t>
-            </a:r>
+              <a:t>90072 29222</a:t>
+            </a:r>
+            <a:endParaRPr lang="en-AU" sz="1400" dirty="0">
+              <a:solidFill>
+                <a:prstClr val="black"/>
+              </a:solidFill>
+              <a:latin typeface="Oxygen" panose="02000503000000000000" pitchFamily="2" charset="0"/>
+            </a:endParaRPr>
           </a:p>
           <a:p>
             <a:r>
@@ -5408,13 +5372,7 @@
               <a:rPr lang="en-AU" sz="2800" b="1" u="sng" dirty="0" smtClean="0">
                 <a:latin typeface="Oxygen" panose="02000503000000000000" pitchFamily="2" charset="0"/>
               </a:rPr>
-              <a:t>Visiting Card </a:t>
-            </a:r>
-            <a:r>
-              <a:rPr lang="en-AU" sz="2800" b="1" u="sng" dirty="0" smtClean="0">
-                <a:latin typeface="Oxygen" panose="02000503000000000000" pitchFamily="2" charset="0"/>
-              </a:rPr>
-              <a:t>– CEO</a:t>
+              <a:t>Visiting Card – CEO</a:t>
             </a:r>
             <a:endParaRPr lang="en-AU" sz="2800" b="1" u="sng" dirty="0">
               <a:latin typeface="Oxygen" panose="02000503000000000000" pitchFamily="2" charset="0"/>
@@ -6196,14 +6154,20 @@
               <a:t>✉ </a:t>
             </a:r>
             <a:r>
-              <a:rPr lang="en-AU" sz="1400" u="sng" dirty="0">
+              <a:rPr lang="en-AU" sz="1400" u="sng" dirty="0" smtClean="0">
                 <a:solidFill>
                   <a:srgbClr val="002060"/>
                 </a:solidFill>
                 <a:latin typeface="Oxygen" panose="02000503000000000000" pitchFamily="2" charset="0"/>
               </a:rPr>
-              <a:t>a.chakrabarty@anodiam.com</a:t>
-            </a:r>
+              <a:t>ac@anodiam.com</a:t>
+            </a:r>
+            <a:endParaRPr lang="en-AU" sz="1400" u="sng" dirty="0">
+              <a:solidFill>
+                <a:srgbClr val="002060"/>
+              </a:solidFill>
+              <a:latin typeface="Oxygen" panose="02000503000000000000" pitchFamily="2" charset="0"/>
+            </a:endParaRPr>
           </a:p>
           <a:p>
             <a:pPr lvl="0"/>
@@ -6211,14 +6175,11 @@
               <a:rPr lang="en-AU" sz="1400" dirty="0">
                 <a:latin typeface="Oxygen" panose="02000503000000000000" pitchFamily="2" charset="0"/>
               </a:rPr>
-              <a:t>☎ </a:t>
-            </a:r>
-            <a:r>
-              <a:rPr lang="en-AU" sz="1400" dirty="0">
-                <a:latin typeface="Oxygen" panose="02000503000000000000" pitchFamily="2" charset="0"/>
-              </a:rPr>
-              <a:t>+91 7900 700094</a:t>
-            </a:r>
+              <a:t>☎ +91 9073 700094</a:t>
+            </a:r>
+            <a:endParaRPr lang="en-AU" sz="1400" dirty="0" smtClean="0">
+              <a:latin typeface="Oxygen" panose="02000503000000000000" pitchFamily="2" charset="0"/>
+            </a:endParaRPr>
           </a:p>
           <a:p>
             <a:pPr lvl="0">
@@ -6230,19 +6191,13 @@
               </a:spcAft>
             </a:pPr>
             <a:r>
-              <a:rPr lang="en-AU" sz="1400" dirty="0">
+              <a:rPr lang="en-AU" sz="1400" dirty="0" smtClean="0">
                 <a:latin typeface="Oxygen" panose="02000503000000000000" pitchFamily="2" charset="0"/>
               </a:rPr>
-              <a:t> </a:t>
-            </a:r>
-            <a:r>
-              <a:rPr lang="en-AU" sz="1400" dirty="0">
-                <a:latin typeface="Oxygen" panose="02000503000000000000" pitchFamily="2" charset="0"/>
-              </a:rPr>
-              <a:t>     </a:t>
-            </a:r>
-            <a:r>
-              <a:rPr lang="en-AU" sz="1400" dirty="0">
+              <a:t>      </a:t>
+            </a:r>
+            <a:r>
+              <a:rPr lang="en-AU" sz="1400" dirty="0" smtClean="0">
                 <a:solidFill>
                   <a:schemeClr val="bg1">
                     <a:lumMod val="65000"/>
@@ -6252,14 +6207,6 @@
               </a:rPr>
               <a:t>+61 470 142 229</a:t>
             </a:r>
-            <a:endParaRPr lang="en-AU" sz="1400" dirty="0">
-              <a:solidFill>
-                <a:schemeClr val="bg1">
-                  <a:lumMod val="65000"/>
-                </a:schemeClr>
-              </a:solidFill>
-              <a:latin typeface="Oxygen" panose="02000503000000000000" pitchFamily="2" charset="0"/>
-            </a:endParaRPr>
           </a:p>
           <a:p>
             <a:r>
@@ -7018,13 +6965,7 @@
               <a:rPr lang="en-AU" sz="2800" b="1" u="sng" dirty="0" smtClean="0">
                 <a:latin typeface="Oxygen" panose="02000503000000000000" pitchFamily="2" charset="0"/>
               </a:rPr>
-              <a:t>Visiting </a:t>
-            </a:r>
-            <a:r>
-              <a:rPr lang="en-AU" sz="2800" b="1" u="sng" dirty="0" smtClean="0">
-                <a:latin typeface="Oxygen" panose="02000503000000000000" pitchFamily="2" charset="0"/>
-              </a:rPr>
-              <a:t>Card – Back Side</a:t>
+              <a:t>Visiting Card – Back Side</a:t>
             </a:r>
             <a:endParaRPr lang="en-AU" sz="2800" b="1" u="sng" dirty="0">
               <a:latin typeface="Oxygen" panose="02000503000000000000" pitchFamily="2" charset="0"/>
